--- a/artefacten/investerings-verteller/pitch_visual.pptx
+++ b/artefacten/investerings-verteller/pitch_visual.pptx
@@ -7,6 +7,12 @@
   <p:sldIdLst>
     <p:sldId id="258" r:id="rId2"/>
     <p:sldId id="257" r:id="rId3"/>
+    <p:sldId id="259" r:id="rId4"/>
+    <p:sldId id="263" r:id="rId5"/>
+    <p:sldId id="260" r:id="rId6"/>
+    <p:sldId id="261" r:id="rId7"/>
+    <p:sldId id="262" r:id="rId8"/>
+    <p:sldId id="264" r:id="rId9"/>
   </p:sldIdLst>
   <p:sldSz cx="12188825" cy="6858000"/>
   <p:notesSz cx="6858000" cy="9144000"/>
@@ -4933,6 +4939,960 @@
     <p:extLst>
       <p:ext uri="{BB962C8B-B14F-4D97-AF65-F5344CB8AC3E}">
         <p14:creationId xmlns:p14="http://schemas.microsoft.com/office/powerpoint/2010/main" val="876914072"/>
+      </p:ext>
+    </p:extLst>
+  </p:cSld>
+  <p:clrMapOvr>
+    <a:masterClrMapping/>
+  </p:clrMapOvr>
+</p:sld>
+</file>
+
+<file path=ppt/slides/slide3.xml><?xml version="1.0" encoding="utf-8"?>
+<p:sld xmlns:a="http://schemas.openxmlformats.org/drawingml/2006/main" xmlns:r="http://schemas.openxmlformats.org/officeDocument/2006/relationships" xmlns:p="http://schemas.openxmlformats.org/presentationml/2006/main">
+  <p:cSld>
+    <p:spTree>
+      <p:nvGrpSpPr>
+        <p:cNvPr id="1" name=""/>
+        <p:cNvGrpSpPr/>
+        <p:nvPr/>
+      </p:nvGrpSpPr>
+      <p:grpSpPr>
+        <a:xfrm>
+          <a:off x="0" y="0"/>
+          <a:ext cx="0" cy="0"/>
+          <a:chOff x="0" y="0"/>
+          <a:chExt cx="0" cy="0"/>
+        </a:xfrm>
+      </p:grpSpPr>
+      <p:sp>
+        <p:nvSpPr>
+          <p:cNvPr id="3" name="TextBox 2">
+            <a:extLst>
+              <a:ext uri="{FF2B5EF4-FFF2-40B4-BE49-F238E27FC236}">
+                <a16:creationId xmlns:a16="http://schemas.microsoft.com/office/drawing/2014/main" id="{E90E6794-122C-91B9-9F4B-53CB63CE3431}"/>
+              </a:ext>
+            </a:extLst>
+          </p:cNvPr>
+          <p:cNvSpPr txBox="1"/>
+          <p:nvPr/>
+        </p:nvSpPr>
+        <p:spPr>
+          <a:xfrm>
+            <a:off x="1987062" y="2303583"/>
+            <a:ext cx="8853854" cy="1477328"/>
+          </a:xfrm>
+          <a:prstGeom prst="rect">
+            <a:avLst/>
+          </a:prstGeom>
+          <a:noFill/>
+        </p:spPr>
+        <p:txBody>
+          <a:bodyPr wrap="square">
+            <a:spAutoFit/>
+          </a:bodyPr>
+          <a:lstStyle/>
+          <a:p>
+            <a:pPr>
+              <a:buNone/>
+            </a:pPr>
+            <a:r>
+              <a:rPr lang="nl-NL" b="1" dirty="0"/>
+              <a:t>🟠 Opening</a:t>
+            </a:r>
+          </a:p>
+          <a:p>
+            <a:pPr>
+              <a:buNone/>
+            </a:pPr>
+            <a:r>
+              <a:rPr lang="nl-NL" dirty="0"/>
+              <a:t>De wereld van software verandert fundamenteel.</a:t>
+            </a:r>
+          </a:p>
+          <a:p>
+            <a:pPr>
+              <a:buNone/>
+            </a:pPr>
+            <a:r>
+              <a:rPr lang="nl-NL" dirty="0"/>
+              <a:t>In 2030 wordt de meeste software gebouwd met Agentic AI.</a:t>
+            </a:r>
+          </a:p>
+          <a:p>
+            <a:pPr>
+              <a:buNone/>
+            </a:pPr>
+            <a:r>
+              <a:rPr lang="nl-NL" dirty="0"/>
+              <a:t>Niet omdat het een hype is, maar omdat de complexiteit van systemen blijft groeien en organisaties steeds ambitieuzere digitale </a:t>
+            </a:r>
+            <a:r>
+              <a:rPr lang="nl-NL" dirty="0" err="1"/>
+              <a:t>capabilities</a:t>
+            </a:r>
+            <a:r>
+              <a:rPr lang="nl-NL" dirty="0"/>
+              <a:t> bouwen.</a:t>
+            </a:r>
+          </a:p>
+        </p:txBody>
+      </p:sp>
+    </p:spTree>
+    <p:extLst>
+      <p:ext uri="{BB962C8B-B14F-4D97-AF65-F5344CB8AC3E}">
+        <p14:creationId xmlns:p14="http://schemas.microsoft.com/office/powerpoint/2010/main" val="778522725"/>
+      </p:ext>
+    </p:extLst>
+  </p:cSld>
+  <p:clrMapOvr>
+    <a:masterClrMapping/>
+  </p:clrMapOvr>
+</p:sld>
+</file>
+
+<file path=ppt/slides/slide4.xml><?xml version="1.0" encoding="utf-8"?>
+<p:sld xmlns:a="http://schemas.openxmlformats.org/drawingml/2006/main" xmlns:r="http://schemas.openxmlformats.org/officeDocument/2006/relationships" xmlns:p="http://schemas.openxmlformats.org/presentationml/2006/main">
+  <p:cSld>
+    <p:spTree>
+      <p:nvGrpSpPr>
+        <p:cNvPr id="1" name="">
+          <a:extLst>
+            <a:ext uri="{FF2B5EF4-FFF2-40B4-BE49-F238E27FC236}">
+              <a16:creationId xmlns:a16="http://schemas.microsoft.com/office/drawing/2014/main" id="{9B3CB580-0500-2F32-8B7B-C248C7FA600B}"/>
+            </a:ext>
+          </a:extLst>
+        </p:cNvPr>
+        <p:cNvGrpSpPr/>
+        <p:nvPr/>
+      </p:nvGrpSpPr>
+      <p:grpSpPr>
+        <a:xfrm>
+          <a:off x="0" y="0"/>
+          <a:ext cx="0" cy="0"/>
+          <a:chOff x="0" y="0"/>
+          <a:chExt cx="0" cy="0"/>
+        </a:xfrm>
+      </p:grpSpPr>
+      <p:sp>
+        <p:nvSpPr>
+          <p:cNvPr id="4" name="TextBox 3">
+            <a:extLst>
+              <a:ext uri="{FF2B5EF4-FFF2-40B4-BE49-F238E27FC236}">
+                <a16:creationId xmlns:a16="http://schemas.microsoft.com/office/drawing/2014/main" id="{36C2603A-3725-46D8-3D68-8A240B080D80}"/>
+              </a:ext>
+            </a:extLst>
+          </p:cNvPr>
+          <p:cNvSpPr txBox="1"/>
+          <p:nvPr/>
+        </p:nvSpPr>
+        <p:spPr>
+          <a:xfrm>
+            <a:off x="2100506" y="1582340"/>
+            <a:ext cx="7987811" cy="3693319"/>
+          </a:xfrm>
+          <a:prstGeom prst="rect">
+            <a:avLst/>
+          </a:prstGeom>
+          <a:noFill/>
+        </p:spPr>
+        <p:txBody>
+          <a:bodyPr wrap="square">
+            <a:spAutoFit/>
+          </a:bodyPr>
+          <a:lstStyle/>
+          <a:p>
+            <a:pPr>
+              <a:buNone/>
+            </a:pPr>
+            <a:r>
+              <a:rPr lang="nl-NL" b="1" dirty="0"/>
+              <a:t>🟠 Context — waarom dit nu speelt (Brooks framing)</a:t>
+            </a:r>
+          </a:p>
+          <a:p>
+            <a:pPr>
+              <a:buNone/>
+            </a:pPr>
+            <a:endParaRPr lang="nl-NL" dirty="0"/>
+          </a:p>
+          <a:p>
+            <a:pPr>
+              <a:buNone/>
+            </a:pPr>
+            <a:r>
+              <a:rPr lang="nl-NL" dirty="0"/>
+              <a:t>Er is een belangrijke les uit de softwaregeschiedenis.</a:t>
+            </a:r>
+          </a:p>
+          <a:p>
+            <a:pPr>
+              <a:buNone/>
+            </a:pPr>
+            <a:endParaRPr lang="nl-NL" dirty="0"/>
+          </a:p>
+          <a:p>
+            <a:pPr>
+              <a:buNone/>
+            </a:pPr>
+            <a:r>
+              <a:rPr lang="nl-NL" dirty="0"/>
+              <a:t>Nieuwe technologie vermindert de complexiteit van </a:t>
+            </a:r>
+            <a:r>
+              <a:rPr lang="nl-NL" dirty="0" err="1"/>
+              <a:t>tooling</a:t>
+            </a:r>
+            <a:r>
+              <a:rPr lang="nl-NL" dirty="0"/>
+              <a:t>, maar de inherente complexiteit van systemen blijft bestaan.</a:t>
+            </a:r>
+          </a:p>
+          <a:p>
+            <a:pPr>
+              <a:buNone/>
+            </a:pPr>
+            <a:endParaRPr lang="nl-NL" dirty="0"/>
+          </a:p>
+          <a:p>
+            <a:pPr>
+              <a:buNone/>
+            </a:pPr>
+            <a:r>
+              <a:rPr lang="nl-NL" dirty="0"/>
+              <a:t>Daardoor bouwen we steeds grotere en ambitieuzere systemen, ontstaan nieuwe abstractielagen en groeit de complexiteit opnieuw.</a:t>
+            </a:r>
+          </a:p>
+          <a:p>
+            <a:pPr>
+              <a:buNone/>
+            </a:pPr>
+            <a:endParaRPr lang="nl-NL" dirty="0"/>
+          </a:p>
+          <a:p>
+            <a:pPr>
+              <a:buNone/>
+            </a:pPr>
+            <a:r>
+              <a:rPr lang="nl-NL" dirty="0"/>
+              <a:t>Er is geen </a:t>
+            </a:r>
+            <a:r>
+              <a:rPr lang="nl-NL" dirty="0" err="1"/>
+              <a:t>playbook</a:t>
+            </a:r>
+            <a:r>
+              <a:rPr lang="nl-NL" dirty="0"/>
+              <a:t>.</a:t>
+            </a:r>
+          </a:p>
+          <a:p>
+            <a:pPr>
+              <a:buNone/>
+            </a:pPr>
+            <a:endParaRPr lang="nl-NL" dirty="0"/>
+          </a:p>
+          <a:p>
+            <a:pPr>
+              <a:buNone/>
+            </a:pPr>
+            <a:r>
+              <a:rPr lang="nl-NL" dirty="0"/>
+              <a:t>Dat zien we nu opnieuw gebeuren met Agentic AI.</a:t>
+            </a:r>
+          </a:p>
+        </p:txBody>
+      </p:sp>
+    </p:spTree>
+    <p:extLst>
+      <p:ext uri="{BB962C8B-B14F-4D97-AF65-F5344CB8AC3E}">
+        <p14:creationId xmlns:p14="http://schemas.microsoft.com/office/powerpoint/2010/main" val="270576599"/>
+      </p:ext>
+    </p:extLst>
+  </p:cSld>
+  <p:clrMapOvr>
+    <a:masterClrMapping/>
+  </p:clrMapOvr>
+</p:sld>
+</file>
+
+<file path=ppt/slides/slide5.xml><?xml version="1.0" encoding="utf-8"?>
+<p:sld xmlns:a="http://schemas.openxmlformats.org/drawingml/2006/main" xmlns:r="http://schemas.openxmlformats.org/officeDocument/2006/relationships" xmlns:p="http://schemas.openxmlformats.org/presentationml/2006/main">
+  <p:cSld>
+    <p:spTree>
+      <p:nvGrpSpPr>
+        <p:cNvPr id="1" name="">
+          <a:extLst>
+            <a:ext uri="{FF2B5EF4-FFF2-40B4-BE49-F238E27FC236}">
+              <a16:creationId xmlns:a16="http://schemas.microsoft.com/office/drawing/2014/main" id="{54CFFD38-DCE6-4574-C996-DEA9A658C833}"/>
+            </a:ext>
+          </a:extLst>
+        </p:cNvPr>
+        <p:cNvGrpSpPr/>
+        <p:nvPr/>
+      </p:nvGrpSpPr>
+      <p:grpSpPr>
+        <a:xfrm>
+          <a:off x="0" y="0"/>
+          <a:ext cx="0" cy="0"/>
+          <a:chOff x="0" y="0"/>
+          <a:chExt cx="0" cy="0"/>
+        </a:xfrm>
+      </p:grpSpPr>
+      <p:sp>
+        <p:nvSpPr>
+          <p:cNvPr id="4" name="TextBox 3">
+            <a:extLst>
+              <a:ext uri="{FF2B5EF4-FFF2-40B4-BE49-F238E27FC236}">
+                <a16:creationId xmlns:a16="http://schemas.microsoft.com/office/drawing/2014/main" id="{7617D056-F622-E7BC-077C-5E5A191A76E2}"/>
+              </a:ext>
+            </a:extLst>
+          </p:cNvPr>
+          <p:cNvSpPr txBox="1"/>
+          <p:nvPr/>
+        </p:nvSpPr>
+        <p:spPr>
+          <a:xfrm>
+            <a:off x="2395904" y="1887894"/>
+            <a:ext cx="8066942" cy="3247043"/>
+          </a:xfrm>
+          <a:prstGeom prst="rect">
+            <a:avLst/>
+          </a:prstGeom>
+          <a:noFill/>
+        </p:spPr>
+        <p:txBody>
+          <a:bodyPr wrap="square">
+            <a:spAutoFit/>
+          </a:bodyPr>
+          <a:lstStyle/>
+          <a:p>
+            <a:pPr>
+              <a:buNone/>
+            </a:pPr>
+            <a:r>
+              <a:rPr lang="nl-NL" b="1" dirty="0"/>
+              <a:t>🟠 Het probleem — wat bestuurders vandaag ervaren</a:t>
+            </a:r>
+          </a:p>
+          <a:p>
+            <a:pPr>
+              <a:buNone/>
+            </a:pPr>
+            <a:br>
+              <a:rPr lang="nl-NL" dirty="0"/>
+            </a:br>
+            <a:r>
+              <a:rPr lang="nl-NL" dirty="0"/>
+              <a:t>In bestuurskamers horen we steeds dezelfde vragen.</a:t>
+            </a:r>
+            <a:br>
+              <a:rPr lang="nl-NL" dirty="0"/>
+            </a:br>
+            <a:endParaRPr lang="nl-NL" dirty="0"/>
+          </a:p>
+          <a:p>
+            <a:pPr marL="285750" indent="-285750">
+              <a:spcAft>
+                <a:spcPts val="600"/>
+              </a:spcAft>
+              <a:buFont typeface="Arial" panose="020B0604020202020204" pitchFamily="34" charset="0"/>
+              <a:buChar char="•"/>
+            </a:pPr>
+            <a:r>
+              <a:rPr lang="nl-NL" dirty="0"/>
+              <a:t>Wie is aanspreekbaar als </a:t>
+            </a:r>
+            <a:r>
+              <a:rPr lang="nl-NL" dirty="0" err="1"/>
+              <a:t>agents</a:t>
+            </a:r>
+            <a:r>
+              <a:rPr lang="nl-NL" dirty="0"/>
+              <a:t> autonoom handelen?</a:t>
+            </a:r>
+          </a:p>
+          <a:p>
+            <a:pPr marL="285750" indent="-285750">
+              <a:spcAft>
+                <a:spcPts val="600"/>
+              </a:spcAft>
+              <a:buFont typeface="Arial" panose="020B0604020202020204" pitchFamily="34" charset="0"/>
+              <a:buChar char="•"/>
+            </a:pPr>
+            <a:r>
+              <a:rPr lang="nl-NL" dirty="0"/>
+              <a:t>Hoe borgen we kwaliteit en compliance als gedrag dynamisch wordt?</a:t>
+            </a:r>
+          </a:p>
+          <a:p>
+            <a:pPr marL="285750" indent="-285750">
+              <a:spcAft>
+                <a:spcPts val="600"/>
+              </a:spcAft>
+              <a:buFont typeface="Arial" panose="020B0604020202020204" pitchFamily="34" charset="0"/>
+              <a:buChar char="•"/>
+            </a:pPr>
+            <a:r>
+              <a:rPr lang="nl-NL" dirty="0"/>
+              <a:t>Zijn de kosten schaalbaar wanneer we van pilots naar duizenden </a:t>
+            </a:r>
+            <a:r>
+              <a:rPr lang="nl-NL" dirty="0" err="1"/>
+              <a:t>agents</a:t>
+            </a:r>
+            <a:r>
+              <a:rPr lang="nl-NL" dirty="0"/>
+              <a:t> gaan?</a:t>
+            </a:r>
+          </a:p>
+          <a:p>
+            <a:pPr marL="285750" indent="-285750">
+              <a:spcAft>
+                <a:spcPts val="600"/>
+              </a:spcAft>
+              <a:buFont typeface="Arial" panose="020B0604020202020204" pitchFamily="34" charset="0"/>
+              <a:buChar char="•"/>
+            </a:pPr>
+            <a:r>
+              <a:rPr lang="nl-NL" dirty="0"/>
+              <a:t>Hoe krijgen we grip op waarde en ROI?</a:t>
+            </a:r>
+          </a:p>
+          <a:p>
+            <a:pPr marL="285750" indent="-285750">
+              <a:spcAft>
+                <a:spcPts val="600"/>
+              </a:spcAft>
+              <a:buFont typeface="Arial" panose="020B0604020202020204" pitchFamily="34" charset="0"/>
+              <a:buChar char="•"/>
+            </a:pPr>
+            <a:r>
+              <a:rPr lang="nl-NL" dirty="0"/>
+              <a:t>En hoe beschermen we onze data in een wereld van RAG en AI-integraties?</a:t>
+            </a:r>
+          </a:p>
+          <a:p>
+            <a:pPr marL="285750" indent="-285750">
+              <a:spcAft>
+                <a:spcPts val="600"/>
+              </a:spcAft>
+              <a:buFont typeface="Arial" panose="020B0604020202020204" pitchFamily="34" charset="0"/>
+              <a:buChar char="•"/>
+            </a:pPr>
+            <a:r>
+              <a:rPr lang="nl-NL" dirty="0"/>
+              <a:t>Organisaties experimenteren met AI, maar missen een </a:t>
+            </a:r>
+            <a:r>
+              <a:rPr lang="nl-NL" dirty="0" err="1"/>
+              <a:t>governancefundament</a:t>
+            </a:r>
+            <a:r>
+              <a:rPr lang="nl-NL" dirty="0"/>
+              <a:t>.</a:t>
+            </a:r>
+          </a:p>
+        </p:txBody>
+      </p:sp>
+    </p:spTree>
+    <p:extLst>
+      <p:ext uri="{BB962C8B-B14F-4D97-AF65-F5344CB8AC3E}">
+        <p14:creationId xmlns:p14="http://schemas.microsoft.com/office/powerpoint/2010/main" val="82036327"/>
+      </p:ext>
+    </p:extLst>
+  </p:cSld>
+  <p:clrMapOvr>
+    <a:masterClrMapping/>
+  </p:clrMapOvr>
+</p:sld>
+</file>
+
+<file path=ppt/slides/slide6.xml><?xml version="1.0" encoding="utf-8"?>
+<p:sld xmlns:a="http://schemas.openxmlformats.org/drawingml/2006/main" xmlns:r="http://schemas.openxmlformats.org/officeDocument/2006/relationships" xmlns:p="http://schemas.openxmlformats.org/presentationml/2006/main">
+  <p:cSld>
+    <p:spTree>
+      <p:nvGrpSpPr>
+        <p:cNvPr id="1" name="">
+          <a:extLst>
+            <a:ext uri="{FF2B5EF4-FFF2-40B4-BE49-F238E27FC236}">
+              <a16:creationId xmlns:a16="http://schemas.microsoft.com/office/drawing/2014/main" id="{45A92FEA-75E8-7C0B-DBC9-3449450ADD1F}"/>
+            </a:ext>
+          </a:extLst>
+        </p:cNvPr>
+        <p:cNvGrpSpPr/>
+        <p:nvPr/>
+      </p:nvGrpSpPr>
+      <p:grpSpPr>
+        <a:xfrm>
+          <a:off x="0" y="0"/>
+          <a:ext cx="0" cy="0"/>
+          <a:chOff x="0" y="0"/>
+          <a:chExt cx="0" cy="0"/>
+        </a:xfrm>
+      </p:grpSpPr>
+      <p:sp>
+        <p:nvSpPr>
+          <p:cNvPr id="4" name="TextBox 3">
+            <a:extLst>
+              <a:ext uri="{FF2B5EF4-FFF2-40B4-BE49-F238E27FC236}">
+                <a16:creationId xmlns:a16="http://schemas.microsoft.com/office/drawing/2014/main" id="{522954D4-1C76-CBEB-6E58-67162C3DB4A0}"/>
+              </a:ext>
+            </a:extLst>
+          </p:cNvPr>
+          <p:cNvSpPr txBox="1"/>
+          <p:nvPr/>
+        </p:nvSpPr>
+        <p:spPr>
+          <a:xfrm>
+            <a:off x="1903534" y="1257026"/>
+            <a:ext cx="8541727" cy="3524042"/>
+          </a:xfrm>
+          <a:prstGeom prst="rect">
+            <a:avLst/>
+          </a:prstGeom>
+          <a:noFill/>
+        </p:spPr>
+        <p:txBody>
+          <a:bodyPr wrap="square">
+            <a:spAutoFit/>
+          </a:bodyPr>
+          <a:lstStyle/>
+          <a:p>
+            <a:pPr>
+              <a:buNone/>
+            </a:pPr>
+            <a:r>
+              <a:rPr lang="nl-NL" b="1" dirty="0"/>
+              <a:t>🟠 Onze visie — wat Mandaryn doet</a:t>
+            </a:r>
+          </a:p>
+          <a:p>
+            <a:r>
+              <a:rPr lang="nl-NL" dirty="0"/>
+              <a:t>Mandaryn is een </a:t>
+            </a:r>
+            <a:r>
+              <a:rPr lang="nl-NL" dirty="0" err="1"/>
+              <a:t>governance</a:t>
+            </a:r>
+            <a:r>
+              <a:rPr lang="nl-NL" dirty="0"/>
+              <a:t>-native AI platform.</a:t>
+            </a:r>
+            <a:br>
+              <a:rPr lang="nl-NL" dirty="0"/>
+            </a:br>
+            <a:endParaRPr lang="nl-NL" dirty="0"/>
+          </a:p>
+          <a:p>
+            <a:pPr marL="285750" indent="-285750">
+              <a:spcAft>
+                <a:spcPts val="600"/>
+              </a:spcAft>
+              <a:buFont typeface="Arial" panose="020B0604020202020204" pitchFamily="34" charset="0"/>
+              <a:buChar char="•"/>
+            </a:pPr>
+            <a:r>
+              <a:rPr lang="nl-NL" dirty="0"/>
+              <a:t>Wij brengen </a:t>
+            </a:r>
+            <a:r>
+              <a:rPr lang="nl-NL" dirty="0" err="1"/>
+              <a:t>governance</a:t>
+            </a:r>
+            <a:r>
+              <a:rPr lang="nl-NL" dirty="0"/>
+              <a:t> niet achteraf, maar bouwen het in het DNA van het systeem.</a:t>
+            </a:r>
+          </a:p>
+          <a:p>
+            <a:pPr marL="285750" indent="-285750">
+              <a:spcAft>
+                <a:spcPts val="600"/>
+              </a:spcAft>
+              <a:buFont typeface="Arial" panose="020B0604020202020204" pitchFamily="34" charset="0"/>
+              <a:buChar char="•"/>
+            </a:pPr>
+            <a:r>
+              <a:rPr lang="nl-NL" dirty="0"/>
+              <a:t>Met constitutionele modellen en contracten zorgen we dat gedrag voorspelbaar blijft.</a:t>
+            </a:r>
+          </a:p>
+          <a:p>
+            <a:pPr marL="285750" indent="-285750">
+              <a:spcAft>
+                <a:spcPts val="600"/>
+              </a:spcAft>
+              <a:buFont typeface="Arial" panose="020B0604020202020204" pitchFamily="34" charset="0"/>
+              <a:buChar char="•"/>
+            </a:pPr>
+            <a:r>
+              <a:rPr lang="nl-NL" dirty="0"/>
+              <a:t>We gebruiken AI waar het waarde toevoegt, maar blijven deterministisch waar dat nodig is.</a:t>
+            </a:r>
+          </a:p>
+          <a:p>
+            <a:pPr marL="285750" indent="-285750">
+              <a:spcAft>
+                <a:spcPts val="600"/>
+              </a:spcAft>
+              <a:buFont typeface="Arial" panose="020B0604020202020204" pitchFamily="34" charset="0"/>
+              <a:buChar char="•"/>
+            </a:pPr>
+            <a:r>
+              <a:rPr lang="nl-NL" dirty="0"/>
+              <a:t>We combineren meer dan zestig jaar ervaring met complexe systemen met een </a:t>
+            </a:r>
+            <a:r>
+              <a:rPr lang="nl-NL" dirty="0" err="1"/>
+              <a:t>practice</a:t>
+            </a:r>
+            <a:r>
+              <a:rPr lang="nl-NL" dirty="0"/>
+              <a:t>-first aanpak.</a:t>
+            </a:r>
+          </a:p>
+          <a:p>
+            <a:pPr marL="285750" indent="-285750">
+              <a:spcAft>
+                <a:spcPts val="600"/>
+              </a:spcAft>
+              <a:buFont typeface="Arial" panose="020B0604020202020204" pitchFamily="34" charset="0"/>
+              <a:buChar char="•"/>
+            </a:pPr>
+            <a:r>
+              <a:rPr lang="nl-NL" dirty="0" err="1"/>
+              <a:t>Traceability</a:t>
+            </a:r>
+            <a:r>
+              <a:rPr lang="nl-NL" dirty="0"/>
+              <a:t> is </a:t>
+            </a:r>
+            <a:r>
+              <a:rPr lang="nl-NL" dirty="0" err="1"/>
+              <a:t>by</a:t>
+            </a:r>
+            <a:r>
+              <a:rPr lang="nl-NL" dirty="0"/>
+              <a:t> design, zodat elke beslissing herleidbaar is.</a:t>
+            </a:r>
+          </a:p>
+          <a:p>
+            <a:pPr marL="285750" indent="-285750">
+              <a:spcAft>
+                <a:spcPts val="600"/>
+              </a:spcAft>
+              <a:buFont typeface="Arial" panose="020B0604020202020204" pitchFamily="34" charset="0"/>
+              <a:buChar char="•"/>
+            </a:pPr>
+            <a:r>
+              <a:rPr lang="nl-NL" dirty="0"/>
+              <a:t>En we werken </a:t>
+            </a:r>
+            <a:r>
+              <a:rPr lang="nl-NL" dirty="0" err="1"/>
+              <a:t>datacentrisch</a:t>
+            </a:r>
+            <a:r>
+              <a:rPr lang="nl-NL" dirty="0"/>
+              <a:t>, met open standaarden en volledige controle over data.</a:t>
+            </a:r>
+          </a:p>
+        </p:txBody>
+      </p:sp>
+    </p:spTree>
+    <p:extLst>
+      <p:ext uri="{BB962C8B-B14F-4D97-AF65-F5344CB8AC3E}">
+        <p14:creationId xmlns:p14="http://schemas.microsoft.com/office/powerpoint/2010/main" val="451388855"/>
+      </p:ext>
+    </p:extLst>
+  </p:cSld>
+  <p:clrMapOvr>
+    <a:masterClrMapping/>
+  </p:clrMapOvr>
+</p:sld>
+</file>
+
+<file path=ppt/slides/slide7.xml><?xml version="1.0" encoding="utf-8"?>
+<p:sld xmlns:a="http://schemas.openxmlformats.org/drawingml/2006/main" xmlns:r="http://schemas.openxmlformats.org/officeDocument/2006/relationships" xmlns:p="http://schemas.openxmlformats.org/presentationml/2006/main">
+  <p:cSld>
+    <p:spTree>
+      <p:nvGrpSpPr>
+        <p:cNvPr id="1" name="">
+          <a:extLst>
+            <a:ext uri="{FF2B5EF4-FFF2-40B4-BE49-F238E27FC236}">
+              <a16:creationId xmlns:a16="http://schemas.microsoft.com/office/drawing/2014/main" id="{3F946AD5-8956-804F-416A-85ED54B89A06}"/>
+            </a:ext>
+          </a:extLst>
+        </p:cNvPr>
+        <p:cNvGrpSpPr/>
+        <p:nvPr/>
+      </p:nvGrpSpPr>
+      <p:grpSpPr>
+        <a:xfrm>
+          <a:off x="0" y="0"/>
+          <a:ext cx="0" cy="0"/>
+          <a:chOff x="0" y="0"/>
+          <a:chExt cx="0" cy="0"/>
+        </a:xfrm>
+      </p:grpSpPr>
+      <p:sp>
+        <p:nvSpPr>
+          <p:cNvPr id="4" name="TextBox 3">
+            <a:extLst>
+              <a:ext uri="{FF2B5EF4-FFF2-40B4-BE49-F238E27FC236}">
+                <a16:creationId xmlns:a16="http://schemas.microsoft.com/office/drawing/2014/main" id="{72879F70-27A7-EB81-EA6E-8347A6DFC695}"/>
+              </a:ext>
+            </a:extLst>
+          </p:cNvPr>
+          <p:cNvSpPr txBox="1"/>
+          <p:nvPr/>
+        </p:nvSpPr>
+        <p:spPr>
+          <a:xfrm>
+            <a:off x="1683727" y="1544994"/>
+            <a:ext cx="8480180" cy="3170099"/>
+          </a:xfrm>
+          <a:prstGeom prst="rect">
+            <a:avLst/>
+          </a:prstGeom>
+          <a:noFill/>
+        </p:spPr>
+        <p:txBody>
+          <a:bodyPr wrap="square">
+            <a:spAutoFit/>
+          </a:bodyPr>
+          <a:lstStyle/>
+          <a:p>
+            <a:pPr>
+              <a:buNone/>
+            </a:pPr>
+            <a:r>
+              <a:rPr lang="nl-NL" b="1" dirty="0"/>
+              <a:t>🟠 Resultaat — wat dit oplevert</a:t>
+            </a:r>
+          </a:p>
+          <a:p>
+            <a:pPr>
+              <a:buNone/>
+            </a:pPr>
+            <a:br>
+              <a:rPr lang="nl-NL" dirty="0"/>
+            </a:br>
+            <a:r>
+              <a:rPr lang="nl-NL" dirty="0"/>
+              <a:t>Dit resulteert in voorspelbare en traceerbare systemen, van intentie tot deployment.</a:t>
+            </a:r>
+            <a:br>
+              <a:rPr lang="nl-NL" dirty="0"/>
+            </a:br>
+            <a:endParaRPr lang="nl-NL" dirty="0"/>
+          </a:p>
+          <a:p>
+            <a:pPr marL="285750" indent="-285750">
+              <a:spcAft>
+                <a:spcPts val="600"/>
+              </a:spcAft>
+              <a:buFont typeface="Arial" panose="020B0604020202020204" pitchFamily="34" charset="0"/>
+              <a:buChar char="•"/>
+            </a:pPr>
+            <a:r>
+              <a:rPr lang="nl-NL" dirty="0"/>
+              <a:t>Organisaties behouden data-soevereiniteit en kunnen AI toepassen zonder datalekrisico’s.</a:t>
+            </a:r>
+          </a:p>
+          <a:p>
+            <a:pPr marL="285750" indent="-285750">
+              <a:spcAft>
+                <a:spcPts val="600"/>
+              </a:spcAft>
+              <a:buFont typeface="Arial" panose="020B0604020202020204" pitchFamily="34" charset="0"/>
+              <a:buChar char="•"/>
+            </a:pPr>
+            <a:r>
+              <a:rPr lang="nl-NL" dirty="0"/>
+              <a:t>AI-kosten blijven beheersbaar door transparante modellen.</a:t>
+            </a:r>
+          </a:p>
+          <a:p>
+            <a:pPr marL="285750" indent="-285750">
+              <a:spcAft>
+                <a:spcPts val="600"/>
+              </a:spcAft>
+              <a:buFont typeface="Arial" panose="020B0604020202020204" pitchFamily="34" charset="0"/>
+              <a:buChar char="•"/>
+            </a:pPr>
+            <a:r>
+              <a:rPr lang="nl-NL" dirty="0"/>
+              <a:t>Teams kunnen sneller leveren zonder technische schuld op te bouwen.</a:t>
+            </a:r>
+          </a:p>
+          <a:p>
+            <a:pPr marL="285750" indent="-285750">
+              <a:spcAft>
+                <a:spcPts val="600"/>
+              </a:spcAft>
+              <a:buFont typeface="Arial" panose="020B0604020202020204" pitchFamily="34" charset="0"/>
+              <a:buChar char="•"/>
+            </a:pPr>
+            <a:r>
+              <a:rPr lang="nl-NL" dirty="0"/>
+              <a:t>Er ontstaat een </a:t>
+            </a:r>
+            <a:r>
+              <a:rPr lang="nl-NL" dirty="0" err="1"/>
+              <a:t>defensible</a:t>
+            </a:r>
+            <a:r>
+              <a:rPr lang="nl-NL" dirty="0"/>
+              <a:t> </a:t>
+            </a:r>
+            <a:r>
+              <a:rPr lang="nl-NL" dirty="0" err="1"/>
+              <a:t>moat</a:t>
+            </a:r>
+            <a:r>
+              <a:rPr lang="nl-NL" dirty="0"/>
+              <a:t> door een structurele architectuurvoorsprong.</a:t>
+            </a:r>
+          </a:p>
+          <a:p>
+            <a:pPr marL="285750" indent="-285750">
+              <a:spcAft>
+                <a:spcPts val="600"/>
+              </a:spcAft>
+              <a:buFont typeface="Arial" panose="020B0604020202020204" pitchFamily="34" charset="0"/>
+              <a:buChar char="•"/>
+            </a:pPr>
+            <a:r>
+              <a:rPr lang="nl-NL" dirty="0"/>
+              <a:t>En organisaties worden geen volgers, maar vroege leiders in </a:t>
+            </a:r>
+            <a:r>
+              <a:rPr lang="nl-NL" dirty="0" err="1"/>
+              <a:t>governance</a:t>
+            </a:r>
+            <a:r>
+              <a:rPr lang="nl-NL" dirty="0"/>
+              <a:t>-native AI.</a:t>
+            </a:r>
+          </a:p>
+        </p:txBody>
+      </p:sp>
+    </p:spTree>
+    <p:extLst>
+      <p:ext uri="{BB962C8B-B14F-4D97-AF65-F5344CB8AC3E}">
+        <p14:creationId xmlns:p14="http://schemas.microsoft.com/office/powerpoint/2010/main" val="792284046"/>
+      </p:ext>
+    </p:extLst>
+  </p:cSld>
+  <p:clrMapOvr>
+    <a:masterClrMapping/>
+  </p:clrMapOvr>
+</p:sld>
+</file>
+
+<file path=ppt/slides/slide8.xml><?xml version="1.0" encoding="utf-8"?>
+<p:sld xmlns:a="http://schemas.openxmlformats.org/drawingml/2006/main" xmlns:r="http://schemas.openxmlformats.org/officeDocument/2006/relationships" xmlns:p="http://schemas.openxmlformats.org/presentationml/2006/main">
+  <p:cSld>
+    <p:spTree>
+      <p:nvGrpSpPr>
+        <p:cNvPr id="1" name="">
+          <a:extLst>
+            <a:ext uri="{FF2B5EF4-FFF2-40B4-BE49-F238E27FC236}">
+              <a16:creationId xmlns:a16="http://schemas.microsoft.com/office/drawing/2014/main" id="{E4949FBF-9789-30B5-7E4E-FE31892A1C82}"/>
+            </a:ext>
+          </a:extLst>
+        </p:cNvPr>
+        <p:cNvGrpSpPr/>
+        <p:nvPr/>
+      </p:nvGrpSpPr>
+      <p:grpSpPr>
+        <a:xfrm>
+          <a:off x="0" y="0"/>
+          <a:ext cx="0" cy="0"/>
+          <a:chOff x="0" y="0"/>
+          <a:chExt cx="0" cy="0"/>
+        </a:xfrm>
+      </p:grpSpPr>
+      <p:sp>
+        <p:nvSpPr>
+          <p:cNvPr id="4" name="TextBox 3">
+            <a:extLst>
+              <a:ext uri="{FF2B5EF4-FFF2-40B4-BE49-F238E27FC236}">
+                <a16:creationId xmlns:a16="http://schemas.microsoft.com/office/drawing/2014/main" id="{08071409-57F5-4D43-50E1-6D99DBDE378C}"/>
+              </a:ext>
+            </a:extLst>
+          </p:cNvPr>
+          <p:cNvSpPr txBox="1"/>
+          <p:nvPr/>
+        </p:nvSpPr>
+        <p:spPr>
+          <a:xfrm>
+            <a:off x="1683727" y="1544994"/>
+            <a:ext cx="8480180" cy="2385268"/>
+          </a:xfrm>
+          <a:prstGeom prst="rect">
+            <a:avLst/>
+          </a:prstGeom>
+          <a:noFill/>
+        </p:spPr>
+        <p:txBody>
+          <a:bodyPr wrap="square">
+            <a:spAutoFit/>
+          </a:bodyPr>
+          <a:lstStyle/>
+          <a:p>
+            <a:r>
+              <a:rPr lang="nl-NL" b="1" dirty="0"/>
+              <a:t>🟠 Afsluiting — waarom dit belangrijk is</a:t>
+            </a:r>
+          </a:p>
+          <a:p>
+            <a:br>
+              <a:rPr lang="nl-NL" dirty="0"/>
+            </a:br>
+            <a:r>
+              <a:rPr lang="nl-NL" dirty="0"/>
+              <a:t>We staan aan het begin van een nieuwe software-paradigma.</a:t>
+            </a:r>
+          </a:p>
+          <a:p>
+            <a:endParaRPr lang="nl-NL" dirty="0"/>
+          </a:p>
+          <a:p>
+            <a:pPr marL="285750" indent="-285750">
+              <a:spcAft>
+                <a:spcPts val="600"/>
+              </a:spcAft>
+              <a:buFont typeface="Arial" panose="020B0604020202020204" pitchFamily="34" charset="0"/>
+              <a:buChar char="•"/>
+            </a:pPr>
+            <a:r>
+              <a:rPr lang="nl-NL" dirty="0"/>
+              <a:t>De vraag is niet óf organisaties Agentic AI gaan gebruiken, maar hoe ze dat gecontroleerd en duurzaam doen.</a:t>
+            </a:r>
+          </a:p>
+          <a:p>
+            <a:pPr marL="285750" indent="-285750">
+              <a:spcAft>
+                <a:spcPts val="600"/>
+              </a:spcAft>
+              <a:buFont typeface="Arial" panose="020B0604020202020204" pitchFamily="34" charset="0"/>
+              <a:buChar char="•"/>
+            </a:pPr>
+            <a:r>
+              <a:rPr lang="nl-NL" dirty="0"/>
+              <a:t>Mandaryn zorgt dat organisaties niet alleen sneller bewegen, maar ook met vertrouwen.</a:t>
+            </a:r>
+          </a:p>
+        </p:txBody>
+      </p:sp>
+    </p:spTree>
+    <p:extLst>
+      <p:ext uri="{BB962C8B-B14F-4D97-AF65-F5344CB8AC3E}">
+        <p14:creationId xmlns:p14="http://schemas.microsoft.com/office/powerpoint/2010/main" val="3859542358"/>
       </p:ext>
     </p:extLst>
   </p:cSld>
